--- a/angular_project_part2.pptx
+++ b/angular_project_part2.pptx
@@ -16,7 +16,8 @@
     <p:sldId id="297" r:id="rId10"/>
     <p:sldId id="298" r:id="rId11"/>
     <p:sldId id="299" r:id="rId12"/>
-    <p:sldId id="292" r:id="rId13"/>
+    <p:sldId id="300" r:id="rId13"/>
+    <p:sldId id="292" r:id="rId14"/>
   </p:sldIdLst>
   <p:sldSz cx="12192000" cy="6858000"/>
   <p:notesSz cx="6858000" cy="9144000"/>
@@ -7861,14 +7862,7 @@
                 <a:latin typeface="+mn-lt"/>
                 <a:cs typeface="Times New Roman" panose="02020603050405020304" pitchFamily="18" charset="0"/>
               </a:rPr>
-              <a:t>Part </a:t>
-            </a:r>
-            <a:r>
-              <a:rPr lang="en-US" sz="4400" dirty="0" smtClean="0">
-                <a:latin typeface="+mn-lt"/>
-                <a:cs typeface="Times New Roman" panose="02020603050405020304" pitchFamily="18" charset="0"/>
-              </a:rPr>
-              <a:t>2</a:t>
+              <a:t>Part 2</a:t>
             </a:r>
             <a:endParaRPr lang="lt-LT" sz="4400" dirty="0">
               <a:latin typeface="+mn-lt"/>
@@ -8173,14 +8167,7 @@
                 <a:latin typeface="Courier New" panose="02070309020205020404" pitchFamily="49" charset="0"/>
                 <a:cs typeface="Courier New" panose="02070309020205020404" pitchFamily="49" charset="0"/>
               </a:rPr>
-              <a:t> {ToastModule</a:t>
-            </a:r>
-            <a:r>
-              <a:rPr lang="en-US" sz="1600" dirty="0">
-                <a:latin typeface="Courier New" panose="02070309020205020404" pitchFamily="49" charset="0"/>
-                <a:cs typeface="Courier New" panose="02070309020205020404" pitchFamily="49" charset="0"/>
-              </a:rPr>
-              <a:t>} </a:t>
+              <a:t> {ToastModule} </a:t>
             </a:r>
             <a:r>
               <a:rPr lang="en-US" sz="1600" b="1" dirty="0">
@@ -8391,14 +8378,7 @@
                 <a:latin typeface="Courier New" panose="02070309020205020404" pitchFamily="49" charset="0"/>
                 <a:cs typeface="Courier New" panose="02070309020205020404" pitchFamily="49" charset="0"/>
               </a:rPr>
-              <a:t> import { ToastsManager</a:t>
-            </a:r>
-            <a:r>
-              <a:rPr lang="en-US" sz="1600" dirty="0">
-                <a:latin typeface="Courier New" panose="02070309020205020404" pitchFamily="49" charset="0"/>
-                <a:cs typeface="Courier New" panose="02070309020205020404" pitchFamily="49" charset="0"/>
-              </a:rPr>
-              <a:t> } from 'ng2-toastr/ng2-toastr</a:t>
+              <a:t> import { ToastsManager } from 'ng2-toastr/ng2-toastr</a:t>
             </a:r>
             <a:r>
               <a:rPr lang="en-US" sz="1600" dirty="0" smtClean="0">
@@ -8452,14 +8432,7 @@
                 <a:latin typeface="Courier New" panose="02070309020205020404" pitchFamily="49" charset="0"/>
                 <a:cs typeface="Courier New" panose="02070309020205020404" pitchFamily="49" charset="0"/>
               </a:rPr>
-              <a:t>    export class AppComponent</a:t>
-            </a:r>
-            <a:r>
-              <a:rPr lang="en-US" sz="1600" dirty="0">
-                <a:latin typeface="Courier New" panose="02070309020205020404" pitchFamily="49" charset="0"/>
-                <a:cs typeface="Courier New" panose="02070309020205020404" pitchFamily="49" charset="0"/>
-              </a:rPr>
-              <a:t> </a:t>
+              <a:t>    export class AppComponent </a:t>
             </a:r>
             <a:r>
               <a:rPr lang="en-US" sz="1600" dirty="0" smtClean="0">
@@ -8596,14 +8569,19 @@
             <p:ph type="ctrTitle"/>
           </p:nvPr>
         </p:nvSpPr>
-        <p:spPr/>
+        <p:spPr>
+          <a:xfrm>
+            <a:off x="527382" y="69343"/>
+            <a:ext cx="11055019" cy="1112172"/>
+          </a:xfrm>
+        </p:spPr>
         <p:txBody>
           <a:bodyPr/>
           <a:lstStyle/>
           <a:p>
             <a:r>
               <a:rPr lang="en-US" dirty="0" smtClean="0"/>
-              <a:t>References</a:t>
+              <a:t>Template driven forms and validation</a:t>
             </a:r>
             <a:endParaRPr lang="en-US" dirty="0"/>
           </a:p>
@@ -8700,12 +8678,467 @@
             <p:ph type="subTitle" idx="1"/>
           </p:nvPr>
         </p:nvSpPr>
+        <p:spPr>
+          <a:xfrm>
+            <a:off x="527382" y="1181515"/>
+            <a:ext cx="10182366" cy="4595976"/>
+          </a:xfrm>
+        </p:spPr>
+        <p:txBody>
+          <a:bodyPr/>
+          <a:lstStyle/>
+          <a:p>
+            <a:r>
+              <a:rPr lang="en-US" dirty="0" smtClean="0"/>
+              <a:t>Bind </a:t>
+            </a:r>
+            <a:r>
+              <a:rPr lang="en-US" dirty="0"/>
+              <a:t>directives and </a:t>
+            </a:r>
+            <a:r>
+              <a:rPr lang="en-US" dirty="0"/>
+              <a:t>behaviour</a:t>
+            </a:r>
+            <a:r>
+              <a:rPr lang="en-US" dirty="0"/>
+              <a:t> to our templates, and let Angular roll with it</a:t>
+            </a:r>
+            <a:r>
+              <a:rPr lang="en-US" dirty="0" smtClean="0"/>
+              <a:t>.</a:t>
+            </a:r>
+          </a:p>
+          <a:p>
+            <a:endParaRPr lang="en-US" dirty="0" smtClean="0"/>
+          </a:p>
+          <a:p>
+            <a:pPr>
+              <a:spcAft>
+                <a:spcPts val="600"/>
+              </a:spcAft>
+            </a:pPr>
+            <a:r>
+              <a:rPr lang="en-US" dirty="0" smtClean="0"/>
+              <a:t>Use HTML 5 attributes to validate inputs</a:t>
+            </a:r>
+          </a:p>
+          <a:p>
+            <a:pPr lvl="1"/>
+            <a:r>
+              <a:rPr lang="en-US" sz="1800" dirty="0" smtClean="0">
+                <a:latin typeface="Courier New" panose="02070309020205020404" pitchFamily="49" charset="0"/>
+                <a:cs typeface="Courier New" panose="02070309020205020404" pitchFamily="49" charset="0"/>
+              </a:rPr>
+              <a:t>&lt;input pattern="[a-z0-9._%+-]+@[a-z0-9.-]+\.[a-z]{2,3}$" required“&gt;</a:t>
+            </a:r>
+          </a:p>
+          <a:p>
+            <a:endParaRPr lang="en-US" dirty="0" smtClean="0"/>
+          </a:p>
+          <a:p>
+            <a:pPr>
+              <a:spcAft>
+                <a:spcPts val="600"/>
+              </a:spcAft>
+            </a:pPr>
+            <a:r>
+              <a:rPr lang="en-US" dirty="0" smtClean="0"/>
+              <a:t>Use [(</a:t>
+            </a:r>
+            <a:r>
+              <a:rPr lang="en-US" dirty="0" err="1" smtClean="0"/>
+              <a:t>ngModel</a:t>
+            </a:r>
+            <a:r>
+              <a:rPr lang="en-US" dirty="0" smtClean="0"/>
+              <a:t>)] for two-way data binding</a:t>
+            </a:r>
+          </a:p>
+          <a:p>
+            <a:pPr lvl="1"/>
+            <a:r>
+              <a:rPr lang="en-US" sz="1800" dirty="0">
+                <a:latin typeface="Courier New" panose="02070309020205020404" pitchFamily="49" charset="0"/>
+                <a:cs typeface="Courier New" panose="02070309020205020404" pitchFamily="49" charset="0"/>
+              </a:rPr>
+              <a:t>&lt;input #firstName="ngModel</a:t>
+            </a:r>
+            <a:r>
+              <a:rPr lang="en-US" sz="1800" dirty="0">
+                <a:latin typeface="Courier New" panose="02070309020205020404" pitchFamily="49" charset="0"/>
+                <a:cs typeface="Courier New" panose="02070309020205020404" pitchFamily="49" charset="0"/>
+              </a:rPr>
+              <a:t>" </a:t>
+            </a:r>
+            <a:r>
+              <a:rPr lang="en-US" sz="1800" dirty="0" smtClean="0">
+                <a:latin typeface="Courier New" panose="02070309020205020404" pitchFamily="49" charset="0"/>
+                <a:cs typeface="Courier New" panose="02070309020205020404" pitchFamily="49" charset="0"/>
+              </a:rPr>
+              <a:t>[(</a:t>
+            </a:r>
+            <a:r>
+              <a:rPr lang="en-US" sz="1800" dirty="0">
+                <a:latin typeface="Courier New" panose="02070309020205020404" pitchFamily="49" charset="0"/>
+                <a:cs typeface="Courier New" panose="02070309020205020404" pitchFamily="49" charset="0"/>
+              </a:rPr>
+              <a:t>ngModel</a:t>
+            </a:r>
+            <a:r>
+              <a:rPr lang="en-US" sz="1800" dirty="0">
+                <a:latin typeface="Courier New" panose="02070309020205020404" pitchFamily="49" charset="0"/>
+                <a:cs typeface="Courier New" panose="02070309020205020404" pitchFamily="49" charset="0"/>
+              </a:rPr>
+              <a:t>)]="</a:t>
+            </a:r>
+            <a:r>
+              <a:rPr lang="en-US" sz="1800" dirty="0" err="1" smtClean="0">
+                <a:latin typeface="Courier New" panose="02070309020205020404" pitchFamily="49" charset="0"/>
+                <a:cs typeface="Courier New" panose="02070309020205020404" pitchFamily="49" charset="0"/>
+              </a:rPr>
+              <a:t>employee.firstName</a:t>
+            </a:r>
+            <a:r>
+              <a:rPr lang="en-US" sz="1800" dirty="0" smtClean="0">
+                <a:latin typeface="Courier New" panose="02070309020205020404" pitchFamily="49" charset="0"/>
+                <a:cs typeface="Courier New" panose="02070309020205020404" pitchFamily="49" charset="0"/>
+              </a:rPr>
+              <a:t>“&gt;</a:t>
+            </a:r>
+            <a:endParaRPr lang="en-US" sz="1800" dirty="0">
+              <a:latin typeface="Courier New" panose="02070309020205020404" pitchFamily="49" charset="0"/>
+              <a:cs typeface="Courier New" panose="02070309020205020404" pitchFamily="49" charset="0"/>
+            </a:endParaRPr>
+          </a:p>
+          <a:p>
+            <a:endParaRPr lang="en-US" sz="1800" dirty="0" smtClean="0"/>
+          </a:p>
+          <a:p>
+            <a:pPr>
+              <a:spcAft>
+                <a:spcPts val="600"/>
+              </a:spcAft>
+            </a:pPr>
+            <a:r>
+              <a:rPr lang="en-US" dirty="0" smtClean="0"/>
+              <a:t>Use “</a:t>
+            </a:r>
+            <a:r>
+              <a:rPr lang="en-US" dirty="0" err="1" smtClean="0"/>
+              <a:t>ngForm</a:t>
+            </a:r>
+            <a:r>
+              <a:rPr lang="en-US" dirty="0" smtClean="0"/>
+              <a:t>” to validate form and </a:t>
+            </a:r>
+            <a:r>
+              <a:rPr lang="en-US" dirty="0" err="1" smtClean="0"/>
+              <a:t>ngModel</a:t>
+            </a:r>
+            <a:r>
+              <a:rPr lang="en-US" dirty="0" smtClean="0"/>
+              <a:t> to validate separate inputs</a:t>
+            </a:r>
+          </a:p>
+          <a:p>
+            <a:pPr lvl="1"/>
+            <a:r>
+              <a:rPr lang="en-US" sz="1800" dirty="0">
+                <a:latin typeface="Courier New" panose="02070309020205020404" pitchFamily="49" charset="0"/>
+                <a:cs typeface="Courier New" panose="02070309020205020404" pitchFamily="49" charset="0"/>
+              </a:rPr>
+              <a:t>&lt;form </a:t>
+            </a:r>
+            <a:r>
+              <a:rPr lang="en-US" sz="1800" dirty="0" err="1">
+                <a:latin typeface="Courier New" panose="02070309020205020404" pitchFamily="49" charset="0"/>
+                <a:cs typeface="Courier New" panose="02070309020205020404" pitchFamily="49" charset="0"/>
+              </a:rPr>
+              <a:t>novalidate</a:t>
+            </a:r>
+            <a:r>
+              <a:rPr lang="en-US" sz="1800" dirty="0">
+                <a:latin typeface="Courier New" panose="02070309020205020404" pitchFamily="49" charset="0"/>
+                <a:cs typeface="Courier New" panose="02070309020205020404" pitchFamily="49" charset="0"/>
+              </a:rPr>
+              <a:t> </a:t>
+            </a:r>
+            <a:r>
+              <a:rPr lang="en-US" sz="1800" dirty="0" smtClean="0">
+                <a:latin typeface="Courier New" panose="02070309020205020404" pitchFamily="49" charset="0"/>
+                <a:cs typeface="Courier New" panose="02070309020205020404" pitchFamily="49" charset="0"/>
+              </a:rPr>
+              <a:t>#</a:t>
+            </a:r>
+            <a:r>
+              <a:rPr lang="en-US" sz="1800" dirty="0" err="1" smtClean="0">
+                <a:latin typeface="Courier New" panose="02070309020205020404" pitchFamily="49" charset="0"/>
+                <a:cs typeface="Courier New" panose="02070309020205020404" pitchFamily="49" charset="0"/>
+              </a:rPr>
+              <a:t>myForm</a:t>
+            </a:r>
+            <a:r>
+              <a:rPr lang="en-US" sz="1800" dirty="0" smtClean="0">
+                <a:latin typeface="Courier New" panose="02070309020205020404" pitchFamily="49" charset="0"/>
+                <a:cs typeface="Courier New" panose="02070309020205020404" pitchFamily="49" charset="0"/>
+              </a:rPr>
+              <a:t>="</a:t>
+            </a:r>
+            <a:r>
+              <a:rPr lang="en-US" sz="1800" dirty="0" err="1">
+                <a:latin typeface="Courier New" panose="02070309020205020404" pitchFamily="49" charset="0"/>
+                <a:cs typeface="Courier New" panose="02070309020205020404" pitchFamily="49" charset="0"/>
+              </a:rPr>
+              <a:t>ngForm</a:t>
+            </a:r>
+            <a:r>
+              <a:rPr lang="en-US" sz="1800" dirty="0" smtClean="0">
+                <a:latin typeface="Courier New" panose="02070309020205020404" pitchFamily="49" charset="0"/>
+                <a:cs typeface="Courier New" panose="02070309020205020404" pitchFamily="49" charset="0"/>
+              </a:rPr>
+              <a:t>"&gt;</a:t>
+            </a:r>
+          </a:p>
+          <a:p>
+            <a:pPr lvl="1"/>
+            <a:r>
+              <a:rPr lang="en-US" sz="2000" dirty="0" smtClean="0">
+                <a:latin typeface="+mn-lt"/>
+                <a:cs typeface="Courier New" panose="02070309020205020404" pitchFamily="49" charset="0"/>
+              </a:rPr>
+              <a:t>To check if form is valid use -&gt; </a:t>
+            </a:r>
+            <a:r>
+              <a:rPr lang="en-US" sz="1800" dirty="0" err="1" smtClean="0">
+                <a:latin typeface="Courier New" panose="02070309020205020404" pitchFamily="49" charset="0"/>
+                <a:cs typeface="Courier New" panose="02070309020205020404" pitchFamily="49" charset="0"/>
+              </a:rPr>
+              <a:t>myForm.valid</a:t>
+            </a:r>
+            <a:endParaRPr lang="en-US" sz="1800" dirty="0" smtClean="0">
+              <a:latin typeface="Courier New" panose="02070309020205020404" pitchFamily="49" charset="0"/>
+              <a:cs typeface="Courier New" panose="02070309020205020404" pitchFamily="49" charset="0"/>
+            </a:endParaRPr>
+          </a:p>
+          <a:p>
+            <a:pPr lvl="1"/>
+            <a:r>
+              <a:rPr lang="en-US" sz="2000" dirty="0" smtClean="0">
+                <a:latin typeface="+mn-lt"/>
+                <a:cs typeface="Courier New" panose="02070309020205020404" pitchFamily="49" charset="0"/>
+              </a:rPr>
+              <a:t>To check if input is valid use -&gt; </a:t>
+            </a:r>
+            <a:r>
+              <a:rPr lang="en-US" sz="1800" dirty="0" err="1" smtClean="0">
+                <a:latin typeface="Courier New" panose="02070309020205020404" pitchFamily="49" charset="0"/>
+                <a:cs typeface="Courier New" panose="02070309020205020404" pitchFamily="49" charset="0"/>
+              </a:rPr>
+              <a:t>firstName.valid</a:t>
+            </a:r>
+            <a:endParaRPr lang="en-US" sz="1800" dirty="0">
+              <a:latin typeface="+mn-lt"/>
+              <a:cs typeface="Courier New" panose="02070309020205020404" pitchFamily="49" charset="0"/>
+            </a:endParaRPr>
+          </a:p>
+          <a:p>
+            <a:pPr lvl="1"/>
+            <a:endParaRPr lang="en-US" sz="1800" dirty="0">
+              <a:latin typeface="Courier New" panose="02070309020205020404" pitchFamily="49" charset="0"/>
+              <a:cs typeface="Courier New" panose="02070309020205020404" pitchFamily="49" charset="0"/>
+            </a:endParaRPr>
+          </a:p>
+        </p:txBody>
+      </p:sp>
+      <p:pic>
+        <p:nvPicPr>
+          <p:cNvPr id="6" name="Picture 5">
+            <a:hlinkClick r:id="rId2"/>
+          </p:cNvPr>
+          <p:cNvPicPr>
+            <a:picLocks noChangeAspect="1"/>
+          </p:cNvPicPr>
+          <p:nvPr/>
+        </p:nvPicPr>
+        <p:blipFill>
+          <a:blip r:embed="rId3"/>
+          <a:stretch>
+            <a:fillRect/>
+          </a:stretch>
+        </p:blipFill>
+        <p:spPr>
+          <a:xfrm>
+            <a:off x="9504746" y="3993614"/>
+            <a:ext cx="2224953" cy="2027273"/>
+          </a:xfrm>
+          <a:prstGeom prst="rect">
+            <a:avLst/>
+          </a:prstGeom>
+        </p:spPr>
+      </p:pic>
+    </p:spTree>
+    <p:extLst>
+      <p:ext uri="{BB962C8B-B14F-4D97-AF65-F5344CB8AC3E}">
+        <p14:creationId xmlns:p14="http://schemas.microsoft.com/office/powerpoint/2010/main" val="2765005273"/>
+      </p:ext>
+    </p:extLst>
+  </p:cSld>
+  <p:clrMapOvr>
+    <a:masterClrMapping/>
+  </p:clrMapOvr>
+  <mc:AlternateContent xmlns:mc="http://schemas.openxmlformats.org/markup-compatibility/2006" xmlns:p14="http://schemas.microsoft.com/office/powerpoint/2010/main">
+    <mc:Choice Requires="p14">
+      <p:transition spd="med" p14:dur="700">
+        <p:fade/>
+      </p:transition>
+    </mc:Choice>
+    <mc:Fallback xmlns="">
+      <p:transition spd="med">
+        <p:fade/>
+      </p:transition>
+    </mc:Fallback>
+  </mc:AlternateContent>
+</p:sld>
+</file>
+
+<file path=ppt/slides/slide12.xml><?xml version="1.0" encoding="utf-8"?>
+<p:sld xmlns:a="http://schemas.openxmlformats.org/drawingml/2006/main" xmlns:r="http://schemas.openxmlformats.org/officeDocument/2006/relationships" xmlns:p="http://schemas.openxmlformats.org/presentationml/2006/main">
+  <p:cSld>
+    <p:spTree>
+      <p:nvGrpSpPr>
+        <p:cNvPr id="1" name=""/>
+        <p:cNvGrpSpPr/>
+        <p:nvPr/>
+      </p:nvGrpSpPr>
+      <p:grpSpPr>
+        <a:xfrm>
+          <a:off x="0" y="0"/>
+          <a:ext cx="0" cy="0"/>
+          <a:chOff x="0" y="0"/>
+          <a:chExt cx="0" cy="0"/>
+        </a:xfrm>
+      </p:grpSpPr>
+      <p:sp>
+        <p:nvSpPr>
+          <p:cNvPr id="2" name="Title 1"/>
+          <p:cNvSpPr>
+            <a:spLocks noGrp="1"/>
+          </p:cNvSpPr>
+          <p:nvPr>
+            <p:ph type="ctrTitle"/>
+          </p:nvPr>
+        </p:nvSpPr>
         <p:spPr/>
         <p:txBody>
           <a:bodyPr/>
           <a:lstStyle/>
           <a:p>
             <a:r>
+              <a:rPr lang="en-US" dirty="0" smtClean="0"/>
+              <a:t>References</a:t>
+            </a:r>
+            <a:endParaRPr lang="en-US" dirty="0"/>
+          </a:p>
+        </p:txBody>
+      </p:sp>
+      <p:sp>
+        <p:nvSpPr>
+          <p:cNvPr id="3" name="Slide Number Placeholder 2"/>
+          <p:cNvSpPr>
+            <a:spLocks noGrp="1"/>
+          </p:cNvSpPr>
+          <p:nvPr>
+            <p:ph type="sldNum" sz="quarter" idx="4"/>
+          </p:nvPr>
+        </p:nvSpPr>
+        <p:spPr/>
+        <p:txBody>
+          <a:bodyPr/>
+          <a:lstStyle/>
+          <a:p>
+            <a:pPr marL="0" marR="0" lvl="0" indent="0" algn="r" defTabSz="914400" rtl="0" eaLnBrk="1" fontAlgn="auto" latinLnBrk="0" hangingPunct="1">
+              <a:lnSpc>
+                <a:spcPct val="100000"/>
+              </a:lnSpc>
+              <a:spcBef>
+                <a:spcPts val="0"/>
+              </a:spcBef>
+              <a:spcAft>
+                <a:spcPts val="0"/>
+              </a:spcAft>
+              <a:buClrTx/>
+              <a:buSzTx/>
+              <a:buFontTx/>
+              <a:buNone/>
+              <a:tabLst/>
+              <a:defRPr/>
+            </a:pPr>
+            <a:fld id="{99025E1A-1EE7-49CA-B537-56DC1EF16E2E}" type="slidenum">
+              <a:rPr kumimoji="0" lang="lt-LT" sz="1680" b="0" i="0" u="none" strike="noStrike" kern="1200" cap="none" spc="0" normalizeH="0" baseline="0" noProof="0" smtClean="0">
+                <a:ln>
+                  <a:noFill/>
+                </a:ln>
+                <a:solidFill>
+                  <a:srgbClr val="6D6E71"/>
+                </a:solidFill>
+                <a:effectLst/>
+                <a:uLnTx/>
+                <a:uFillTx/>
+                <a:ea typeface="+mn-ea"/>
+                <a:cs typeface="+mn-cs"/>
+              </a:rPr>
+              <a:pPr marL="0" marR="0" lvl="0" indent="0" algn="r" defTabSz="914400" rtl="0" eaLnBrk="1" fontAlgn="auto" latinLnBrk="0" hangingPunct="1">
+                <a:lnSpc>
+                  <a:spcPct val="100000"/>
+                </a:lnSpc>
+                <a:spcBef>
+                  <a:spcPts val="0"/>
+                </a:spcBef>
+                <a:spcAft>
+                  <a:spcPts val="0"/>
+                </a:spcAft>
+                <a:buClrTx/>
+                <a:buSzTx/>
+                <a:buFontTx/>
+                <a:buNone/>
+                <a:tabLst/>
+                <a:defRPr/>
+              </a:pPr>
+              <a:t>12</a:t>
+            </a:fld>
+            <a:endParaRPr kumimoji="0" lang="lt-LT" sz="1680" b="0" i="0" u="none" strike="noStrike" kern="1200" cap="none" spc="0" normalizeH="0" baseline="0" noProof="0" dirty="0">
+              <a:ln>
+                <a:noFill/>
+              </a:ln>
+              <a:solidFill>
+                <a:srgbClr val="6D6E71"/>
+              </a:solidFill>
+              <a:effectLst/>
+              <a:uLnTx/>
+              <a:uFillTx/>
+              <a:ea typeface="+mn-ea"/>
+              <a:cs typeface="+mn-cs"/>
+            </a:endParaRPr>
+          </a:p>
+        </p:txBody>
+      </p:sp>
+      <p:sp>
+        <p:nvSpPr>
+          <p:cNvPr id="4" name="Subtitle 3"/>
+          <p:cNvSpPr>
+            <a:spLocks noGrp="1"/>
+          </p:cNvSpPr>
+          <p:nvPr>
+            <p:ph type="subTitle" idx="1"/>
+          </p:nvPr>
+        </p:nvSpPr>
+        <p:spPr/>
+        <p:txBody>
+          <a:bodyPr/>
+          <a:lstStyle/>
+          <a:p>
+            <a:r>
               <a:rPr lang="en-US" dirty="0">
                 <a:hlinkClick r:id="rId2"/>
               </a:rPr>
@@ -8799,7 +9232,22 @@
               <a:rPr lang="en-US" dirty="0">
                 <a:hlinkClick r:id="rId8"/>
               </a:rPr>
-              <a:t>https://www.npmjs.com/package/ng2-toastr</a:t>
+              <a:t>https://</a:t>
+            </a:r>
+            <a:r>
+              <a:rPr lang="en-US" dirty="0" smtClean="0">
+                <a:hlinkClick r:id="rId8"/>
+              </a:rPr>
+              <a:t>www.npmjs.com/package/ng2-toastr</a:t>
+            </a:r>
+            <a:endParaRPr lang="en-US" dirty="0" smtClean="0"/>
+          </a:p>
+          <a:p>
+            <a:r>
+              <a:rPr lang="en-US" dirty="0">
+                <a:hlinkClick r:id="rId9"/>
+              </a:rPr>
+              <a:t>https://toddmotto.com/angular-2-forms-template-driven</a:t>
             </a:r>
             <a:endParaRPr lang="en-US" dirty="0"/>
           </a:p>
@@ -9036,7 +9484,6 @@
               <a:rPr lang="en-US" dirty="0"/>
               <a:t>Observables open up a continuous channel of communication in which multiple values of data can be emitted over time.</a:t>
             </a:r>
-            <a:endParaRPr lang="en-US" dirty="0"/>
           </a:p>
         </p:txBody>
       </p:sp>
@@ -11210,11 +11657,7 @@
           <a:p>
             <a:r>
               <a:rPr lang="en-US" dirty="0"/>
-              <a:t>Angular 2 comes with a stock of pipes such as DatePipe, UpperCasePipe, LowerCasePipe, CurrencyPipe, and PercentPipe</a:t>
-            </a:r>
-            <a:r>
-              <a:rPr lang="en-US" dirty="0"/>
-              <a:t>.</a:t>
+              <a:t>Angular 2 comes with a stock of pipes such as DatePipe, UpperCasePipe, LowerCasePipe, CurrencyPipe, and PercentPipe.</a:t>
             </a:r>
             <a:endParaRPr lang="en-US" sz="2800" dirty="0" smtClean="0"/>
           </a:p>
@@ -11914,11 +12357,7 @@
             </a:r>
             <a:r>
               <a:rPr lang="en-US" dirty="0"/>
-              <a:t> is a Javascript</a:t>
-            </a:r>
-            <a:r>
-              <a:rPr lang="en-US" dirty="0"/>
-              <a:t> library for non-blocking notifications</a:t>
+              <a:t> is a Javascript library for non-blocking notifications</a:t>
             </a:r>
             <a:r>
               <a:rPr lang="en-US" dirty="0" smtClean="0"/>
@@ -11949,14 +12388,7 @@
                 <a:latin typeface="Courier New" panose="02070309020205020404" pitchFamily="49" charset="0"/>
                 <a:cs typeface="Courier New" panose="02070309020205020404" pitchFamily="49" charset="0"/>
               </a:rPr>
-              <a:t>npm</a:t>
-            </a:r>
-            <a:r>
-              <a:rPr lang="en-US" sz="2000" dirty="0">
-                <a:latin typeface="Courier New" panose="02070309020205020404" pitchFamily="49" charset="0"/>
-                <a:cs typeface="Courier New" panose="02070309020205020404" pitchFamily="49" charset="0"/>
-              </a:rPr>
-              <a:t> install ng2-toastr </a:t>
+              <a:t>npm install ng2-toastr </a:t>
             </a:r>
             <a:r>
               <a:rPr lang="en-US" sz="2000" dirty="0" smtClean="0">
@@ -11984,11 +12416,7 @@
             </a:r>
             <a:r>
               <a:rPr lang="en-US" dirty="0"/>
-              <a:t>js</a:t>
-            </a:r>
-            <a:r>
-              <a:rPr lang="en-US" dirty="0"/>
-              <a:t> and </a:t>
+              <a:t>js and </a:t>
             </a:r>
             <a:r>
               <a:rPr lang="en-US" dirty="0" err="1" smtClean="0"/>
